--- a/communion2.pptx
+++ b/communion2.pptx
@@ -5105,6 +5105,11 @@
           <a:solidFill>
             <a:srgbClr val="FFFFFF"/>
           </a:solidFill>
+          <a:ln w="25400">
+            <a:solidFill>
+              <a:srgbClr val="4F81BD"/>
+            </a:solidFill>
+          </a:ln>
         </p:spPr>
         <p:txBody>
           <a:bodyPr wrap="square">
@@ -5114,7 +5119,7 @@
           <a:p>
             <a:pPr algn="ctr"/>
             <a:r>
-              <a:rPr sz="2400" b="1">
+              <a:rPr sz="2400">
                 <a:latin typeface="Calibri"/>
               </a:rPr>
               <a:t>HI</a:t>
